--- a/Credit Card Fraud Detection Capstone/Documentation/Credit Card Fraud Detection Presentation.pptx
+++ b/Credit Card Fraud Detection Capstone/Documentation/Credit Card Fraud Detection Presentation.pptx
@@ -13,9 +13,10 @@
     <p:sldId id="261" r:id="rId7"/>
     <p:sldId id="263" r:id="rId8"/>
     <p:sldId id="264" r:id="rId9"/>
-    <p:sldId id="265" r:id="rId10"/>
-    <p:sldId id="266" r:id="rId11"/>
-    <p:sldId id="267" r:id="rId12"/>
+    <p:sldId id="268" r:id="rId10"/>
+    <p:sldId id="265" r:id="rId11"/>
+    <p:sldId id="266" r:id="rId12"/>
+    <p:sldId id="267" r:id="rId13"/>
   </p:sldIdLst>
   <p:sldSz cx="12192000" cy="6858000"/>
   <p:notesSz cx="6858000" cy="9144000"/>
@@ -114,6 +115,11 @@
       </a:defRPr>
     </a:lvl9pPr>
   </p:defaultTextStyle>
+  <p:extLst>
+    <p:ext uri="{EFAFB233-063F-42B5-8137-9DF3F51BA10A}">
+      <p15:sldGuideLst xmlns:p15="http://schemas.microsoft.com/office/powerpoint/2012/main"/>
+    </p:ext>
+  </p:extLst>
 </p:presentation>
 </file>
 
@@ -250,7 +256,7 @@
           <a:p>
             <a:fld id="{98A1F378-AD92-4565-8E04-5D288FA971E6}" type="datetimeFigureOut">
               <a:rPr lang="en-US" smtClean="0"/>
-              <a:t>3/15/2021</a:t>
+              <a:t>3/17/2021</a:t>
             </a:fld>
             <a:endParaRPr lang="en-US"/>
           </a:p>
@@ -537,7 +543,7 @@
           <a:p>
             <a:fld id="{98A1F378-AD92-4565-8E04-5D288FA971E6}" type="datetimeFigureOut">
               <a:rPr lang="en-US" smtClean="0"/>
-              <a:t>3/15/2021</a:t>
+              <a:t>3/17/2021</a:t>
             </a:fld>
             <a:endParaRPr lang="en-US"/>
           </a:p>
@@ -729,7 +735,7 @@
           <a:p>
             <a:fld id="{98A1F378-AD92-4565-8E04-5D288FA971E6}" type="datetimeFigureOut">
               <a:rPr lang="en-US" smtClean="0"/>
-              <a:t>3/15/2021</a:t>
+              <a:t>3/17/2021</a:t>
             </a:fld>
             <a:endParaRPr lang="en-US"/>
           </a:p>
@@ -990,7 +996,7 @@
           <a:p>
             <a:fld id="{98A1F378-AD92-4565-8E04-5D288FA971E6}" type="datetimeFigureOut">
               <a:rPr lang="en-US" smtClean="0"/>
-              <a:t>3/15/2021</a:t>
+              <a:t>3/17/2021</a:t>
             </a:fld>
             <a:endParaRPr lang="en-US"/>
           </a:p>
@@ -1414,7 +1420,7 @@
           <a:p>
             <a:fld id="{98A1F378-AD92-4565-8E04-5D288FA971E6}" type="datetimeFigureOut">
               <a:rPr lang="en-US" smtClean="0"/>
-              <a:t>3/15/2021</a:t>
+              <a:t>3/17/2021</a:t>
             </a:fld>
             <a:endParaRPr lang="en-US"/>
           </a:p>
@@ -1960,7 +1966,7 @@
           <a:p>
             <a:fld id="{98A1F378-AD92-4565-8E04-5D288FA971E6}" type="datetimeFigureOut">
               <a:rPr lang="en-US" smtClean="0"/>
-              <a:t>3/15/2021</a:t>
+              <a:t>3/17/2021</a:t>
             </a:fld>
             <a:endParaRPr lang="en-US"/>
           </a:p>
@@ -2800,7 +2806,7 @@
           <a:p>
             <a:fld id="{98A1F378-AD92-4565-8E04-5D288FA971E6}" type="datetimeFigureOut">
               <a:rPr lang="en-US" smtClean="0"/>
-              <a:t>3/15/2021</a:t>
+              <a:t>3/17/2021</a:t>
             </a:fld>
             <a:endParaRPr lang="en-US"/>
           </a:p>
@@ -2970,7 +2976,7 @@
           <a:p>
             <a:fld id="{98A1F378-AD92-4565-8E04-5D288FA971E6}" type="datetimeFigureOut">
               <a:rPr lang="en-US" smtClean="0"/>
-              <a:t>3/15/2021</a:t>
+              <a:t>3/17/2021</a:t>
             </a:fld>
             <a:endParaRPr lang="en-US"/>
           </a:p>
@@ -3154,7 +3160,7 @@
           <a:p>
             <a:fld id="{98A1F378-AD92-4565-8E04-5D288FA971E6}" type="datetimeFigureOut">
               <a:rPr lang="en-US" smtClean="0"/>
-              <a:t>3/15/2021</a:t>
+              <a:t>3/17/2021</a:t>
             </a:fld>
             <a:endParaRPr lang="en-US"/>
           </a:p>
@@ -3324,7 +3330,7 @@
           <a:p>
             <a:fld id="{98A1F378-AD92-4565-8E04-5D288FA971E6}" type="datetimeFigureOut">
               <a:rPr lang="en-US" smtClean="0"/>
-              <a:t>3/15/2021</a:t>
+              <a:t>3/17/2021</a:t>
             </a:fld>
             <a:endParaRPr lang="en-US"/>
           </a:p>
@@ -3572,7 +3578,7 @@
           <a:p>
             <a:fld id="{98A1F378-AD92-4565-8E04-5D288FA971E6}" type="datetimeFigureOut">
               <a:rPr lang="en-US" smtClean="0"/>
-              <a:t>3/15/2021</a:t>
+              <a:t>3/17/2021</a:t>
             </a:fld>
             <a:endParaRPr lang="en-US"/>
           </a:p>
@@ -3809,7 +3815,7 @@
           <a:p>
             <a:fld id="{98A1F378-AD92-4565-8E04-5D288FA971E6}" type="datetimeFigureOut">
               <a:rPr lang="en-US" smtClean="0"/>
-              <a:t>3/15/2021</a:t>
+              <a:t>3/17/2021</a:t>
             </a:fld>
             <a:endParaRPr lang="en-US"/>
           </a:p>
@@ -4182,7 +4188,7 @@
           <a:p>
             <a:fld id="{98A1F378-AD92-4565-8E04-5D288FA971E6}" type="datetimeFigureOut">
               <a:rPr lang="en-US" smtClean="0"/>
-              <a:t>3/15/2021</a:t>
+              <a:t>3/17/2021</a:t>
             </a:fld>
             <a:endParaRPr lang="en-US"/>
           </a:p>
@@ -4300,7 +4306,7 @@
           <a:p>
             <a:fld id="{98A1F378-AD92-4565-8E04-5D288FA971E6}" type="datetimeFigureOut">
               <a:rPr lang="en-US" smtClean="0"/>
-              <a:t>3/15/2021</a:t>
+              <a:t>3/17/2021</a:t>
             </a:fld>
             <a:endParaRPr lang="en-US"/>
           </a:p>
@@ -4395,7 +4401,7 @@
           <a:p>
             <a:fld id="{98A1F378-AD92-4565-8E04-5D288FA971E6}" type="datetimeFigureOut">
               <a:rPr lang="en-US" smtClean="0"/>
-              <a:t>3/15/2021</a:t>
+              <a:t>3/17/2021</a:t>
             </a:fld>
             <a:endParaRPr lang="en-US"/>
           </a:p>
@@ -4646,7 +4652,7 @@
           <a:p>
             <a:fld id="{98A1F378-AD92-4565-8E04-5D288FA971E6}" type="datetimeFigureOut">
               <a:rPr lang="en-US" smtClean="0"/>
-              <a:t>3/15/2021</a:t>
+              <a:t>3/17/2021</a:t>
             </a:fld>
             <a:endParaRPr lang="en-US"/>
           </a:p>
@@ -4933,7 +4939,7 @@
           <a:p>
             <a:fld id="{98A1F378-AD92-4565-8E04-5D288FA971E6}" type="datetimeFigureOut">
               <a:rPr lang="en-US" smtClean="0"/>
-              <a:t>3/15/2021</a:t>
+              <a:t>3/17/2021</a:t>
             </a:fld>
             <a:endParaRPr lang="en-US"/>
           </a:p>
@@ -5146,7 +5152,7 @@
           <a:p>
             <a:fld id="{98A1F378-AD92-4565-8E04-5D288FA971E6}" type="datetimeFigureOut">
               <a:rPr lang="en-US" smtClean="0"/>
-              <a:t>3/15/2021</a:t>
+              <a:t>3/17/2021</a:t>
             </a:fld>
             <a:endParaRPr lang="en-US"/>
           </a:p>
@@ -5752,6 +5758,123 @@
           <a:lstStyle/>
           <a:p>
             <a:r>
+              <a:rPr lang="en-US">
+                <a:latin typeface="Century" panose="02040604050505020304" pitchFamily="18" charset="0"/>
+              </a:rPr>
+              <a:t>Takeaways</a:t>
+            </a:r>
+            <a:endParaRPr lang="en-US" dirty="0">
+              <a:latin typeface="Century" panose="02040604050505020304" pitchFamily="18" charset="0"/>
+            </a:endParaRPr>
+          </a:p>
+        </p:txBody>
+      </p:sp>
+      <p:sp>
+        <p:nvSpPr>
+          <p:cNvPr id="3" name="Content Placeholder 2">
+            <a:extLst>
+              <a:ext uri="{FF2B5EF4-FFF2-40B4-BE49-F238E27FC236}">
+                <a16:creationId xmlns:a16="http://schemas.microsoft.com/office/drawing/2014/main" id="{F699FF74-0338-49EC-9DC0-1A5877FBACF1}"/>
+              </a:ext>
+            </a:extLst>
+          </p:cNvPr>
+          <p:cNvSpPr>
+            <a:spLocks noGrp="1"/>
+          </p:cNvSpPr>
+          <p:nvPr>
+            <p:ph idx="1"/>
+          </p:nvPr>
+        </p:nvSpPr>
+        <p:spPr/>
+        <p:txBody>
+          <a:bodyPr/>
+          <a:lstStyle/>
+          <a:p>
+            <a:pPr lvl="0"/>
+            <a:r>
+              <a:rPr lang="en-US">
+                <a:solidFill>
+                  <a:prstClr val="white"/>
+                </a:solidFill>
+                <a:latin typeface="Century" panose="02040604050505020304" pitchFamily="18" charset="0"/>
+              </a:rPr>
+              <a:t>Logistic Regression was the best model</a:t>
+            </a:r>
+            <a:endParaRPr lang="en-US"/>
+          </a:p>
+          <a:p>
+            <a:r>
+              <a:rPr lang="en-US">
+                <a:latin typeface="Century" panose="02040604050505020304" pitchFamily="18" charset="0"/>
+              </a:rPr>
+              <a:t>19 features are not important</a:t>
+            </a:r>
+          </a:p>
+          <a:p>
+            <a:r>
+              <a:rPr lang="en-US">
+                <a:latin typeface="Century" panose="02040604050505020304" pitchFamily="18" charset="0"/>
+              </a:rPr>
+              <a:t>Different samples generate different results</a:t>
+            </a:r>
+            <a:endParaRPr lang="en-US" dirty="0">
+              <a:latin typeface="Century" panose="02040604050505020304" pitchFamily="18" charset="0"/>
+            </a:endParaRPr>
+          </a:p>
+        </p:txBody>
+      </p:sp>
+    </p:spTree>
+    <p:extLst>
+      <p:ext uri="{BB962C8B-B14F-4D97-AF65-F5344CB8AC3E}">
+        <p14:creationId xmlns:p14="http://schemas.microsoft.com/office/powerpoint/2010/main" val="2584247771"/>
+      </p:ext>
+    </p:extLst>
+  </p:cSld>
+  <p:clrMapOvr>
+    <a:masterClrMapping/>
+  </p:clrMapOvr>
+</p:sld>
+</file>
+
+<file path=ppt/slides/slide11.xml><?xml version="1.0" encoding="utf-8"?>
+<p:sld xmlns:a="http://schemas.openxmlformats.org/drawingml/2006/main" xmlns:r="http://schemas.openxmlformats.org/officeDocument/2006/relationships" xmlns:p="http://schemas.openxmlformats.org/presentationml/2006/main">
+  <p:cSld>
+    <p:spTree>
+      <p:nvGrpSpPr>
+        <p:cNvPr id="1" name=""/>
+        <p:cNvGrpSpPr/>
+        <p:nvPr/>
+      </p:nvGrpSpPr>
+      <p:grpSpPr>
+        <a:xfrm>
+          <a:off x="0" y="0"/>
+          <a:ext cx="0" cy="0"/>
+          <a:chOff x="0" y="0"/>
+          <a:chExt cx="0" cy="0"/>
+        </a:xfrm>
+      </p:grpSpPr>
+      <p:sp>
+        <p:nvSpPr>
+          <p:cNvPr id="2" name="Title 1">
+            <a:extLst>
+              <a:ext uri="{FF2B5EF4-FFF2-40B4-BE49-F238E27FC236}">
+                <a16:creationId xmlns:a16="http://schemas.microsoft.com/office/drawing/2014/main" id="{DCCF1703-47E7-45E9-8627-44E7BB7FC0E7}"/>
+              </a:ext>
+            </a:extLst>
+          </p:cNvPr>
+          <p:cNvSpPr>
+            <a:spLocks noGrp="1"/>
+          </p:cNvSpPr>
+          <p:nvPr>
+            <p:ph type="title"/>
+          </p:nvPr>
+        </p:nvSpPr>
+        <p:spPr/>
+        <p:txBody>
+          <a:bodyPr/>
+          <a:lstStyle/>
+          <a:p>
+            <a:r>
               <a:rPr lang="en-US" dirty="0">
                 <a:latin typeface="Century" panose="02040604050505020304" pitchFamily="18" charset="0"/>
               </a:rPr>
@@ -5848,7 +5971,7 @@
 </p:sld>
 </file>
 
-<file path=ppt/slides/slide11.xml><?xml version="1.0" encoding="utf-8"?>
+<file path=ppt/slides/slide12.xml><?xml version="1.0" encoding="utf-8"?>
 <p:sld xmlns:a="http://schemas.openxmlformats.org/drawingml/2006/main" xmlns:r="http://schemas.openxmlformats.org/officeDocument/2006/relationships" xmlns:p="http://schemas.openxmlformats.org/presentationml/2006/main">
   <p:cSld>
     <p:spTree>
@@ -7241,7 +7364,7 @@
           <p:cNvPr id="2" name="Title 1">
             <a:extLst>
               <a:ext uri="{FF2B5EF4-FFF2-40B4-BE49-F238E27FC236}">
-                <a16:creationId xmlns:a16="http://schemas.microsoft.com/office/drawing/2014/main" id="{DCCF1703-47E7-45E9-8627-44E7BB7FC0E7}"/>
+                <a16:creationId xmlns:a16="http://schemas.microsoft.com/office/drawing/2014/main" id="{2B3656ED-A8DC-474B-99D5-AD58EC7DE962}"/>
               </a:ext>
             </a:extLst>
           </p:cNvPr>
@@ -7261,66 +7384,123 @@
               <a:rPr lang="en-US" dirty="0">
                 <a:latin typeface="Century" panose="02040604050505020304" pitchFamily="18" charset="0"/>
               </a:rPr>
-              <a:t>Takeaways</a:t>
-            </a:r>
-          </a:p>
-        </p:txBody>
-      </p:sp>
-      <p:sp>
-        <p:nvSpPr>
-          <p:cNvPr id="3" name="Content Placeholder 2">
+              <a:t>Decision Boundary</a:t>
+            </a:r>
+          </a:p>
+        </p:txBody>
+      </p:sp>
+      <p:pic>
+        <p:nvPicPr>
+          <p:cNvPr id="6" name="Picture 5" descr="Chart, scatter chart&#10;&#10;Description automatically generated">
             <a:extLst>
               <a:ext uri="{FF2B5EF4-FFF2-40B4-BE49-F238E27FC236}">
-                <a16:creationId xmlns:a16="http://schemas.microsoft.com/office/drawing/2014/main" id="{F699FF74-0338-49EC-9DC0-1A5877FBACF1}"/>
+                <a16:creationId xmlns:a16="http://schemas.microsoft.com/office/drawing/2014/main" id="{6FAA8541-67A2-403F-84DC-7AAFB3566F0F}"/>
               </a:ext>
             </a:extLst>
           </p:cNvPr>
-          <p:cNvSpPr>
-            <a:spLocks noGrp="1"/>
-          </p:cNvSpPr>
-          <p:nvPr>
-            <p:ph idx="1"/>
-          </p:nvPr>
-        </p:nvSpPr>
-        <p:spPr/>
-        <p:txBody>
-          <a:bodyPr/>
-          <a:lstStyle/>
-          <a:p>
-            <a:pPr lvl="0"/>
-            <a:r>
-              <a:rPr lang="en-US" dirty="0">
-                <a:solidFill>
-                  <a:prstClr val="white"/>
-                </a:solidFill>
-                <a:latin typeface="Century" panose="02040604050505020304" pitchFamily="18" charset="0"/>
-              </a:rPr>
-              <a:t>Logistic Regression was the best model</a:t>
-            </a:r>
-            <a:endParaRPr lang="en-US" dirty="0"/>
-          </a:p>
-          <a:p>
-            <a:r>
-              <a:rPr lang="en-US" dirty="0">
-                <a:latin typeface="Century" panose="02040604050505020304" pitchFamily="18" charset="0"/>
-              </a:rPr>
-              <a:t>19 features are not important</a:t>
-            </a:r>
-          </a:p>
-          <a:p>
-            <a:r>
-              <a:rPr lang="en-US" dirty="0">
-                <a:latin typeface="Century" panose="02040604050505020304" pitchFamily="18" charset="0"/>
-              </a:rPr>
-              <a:t>Different samples generate different results</a:t>
-            </a:r>
-          </a:p>
-        </p:txBody>
-      </p:sp>
+          <p:cNvPicPr>
+            <a:picLocks noChangeAspect="1"/>
+          </p:cNvPicPr>
+          <p:nvPr/>
+        </p:nvPicPr>
+        <p:blipFill>
+          <a:blip r:embed="rId2">
+            <a:extLst>
+              <a:ext uri="{28A0092B-C50C-407E-A947-70E740481C1C}">
+                <a14:useLocalDpi xmlns:a14="http://schemas.microsoft.com/office/drawing/2010/main" val="0"/>
+              </a:ext>
+            </a:extLst>
+          </a:blip>
+          <a:stretch>
+            <a:fillRect/>
+          </a:stretch>
+        </p:blipFill>
+        <p:spPr>
+          <a:xfrm>
+            <a:off x="7677080" y="1921476"/>
+            <a:ext cx="3590476" cy="3628571"/>
+          </a:xfrm>
+          <a:prstGeom prst="rect">
+            <a:avLst/>
+          </a:prstGeom>
+        </p:spPr>
+      </p:pic>
+      <p:pic>
+        <p:nvPicPr>
+          <p:cNvPr id="8" name="Picture 7" descr="Chart, scatter chart&#10;&#10;Description automatically generated">
+            <a:extLst>
+              <a:ext uri="{FF2B5EF4-FFF2-40B4-BE49-F238E27FC236}">
+                <a16:creationId xmlns:a16="http://schemas.microsoft.com/office/drawing/2014/main" id="{65238E24-AC40-457B-A6DE-4FE194154793}"/>
+              </a:ext>
+            </a:extLst>
+          </p:cNvPr>
+          <p:cNvPicPr>
+            <a:picLocks noChangeAspect="1"/>
+          </p:cNvPicPr>
+          <p:nvPr/>
+        </p:nvPicPr>
+        <p:blipFill>
+          <a:blip r:embed="rId3">
+            <a:extLst>
+              <a:ext uri="{28A0092B-C50C-407E-A947-70E740481C1C}">
+                <a14:useLocalDpi xmlns:a14="http://schemas.microsoft.com/office/drawing/2010/main" val="0"/>
+              </a:ext>
+            </a:extLst>
+          </a:blip>
+          <a:stretch>
+            <a:fillRect/>
+          </a:stretch>
+        </p:blipFill>
+        <p:spPr>
+          <a:xfrm>
+            <a:off x="923385" y="1921475"/>
+            <a:ext cx="3647770" cy="3628571"/>
+          </a:xfrm>
+          <a:prstGeom prst="rect">
+            <a:avLst/>
+          </a:prstGeom>
+        </p:spPr>
+      </p:pic>
+      <p:pic>
+        <p:nvPicPr>
+          <p:cNvPr id="10" name="Picture 9" descr="Table&#10;&#10;Description automatically generated">
+            <a:extLst>
+              <a:ext uri="{FF2B5EF4-FFF2-40B4-BE49-F238E27FC236}">
+                <a16:creationId xmlns:a16="http://schemas.microsoft.com/office/drawing/2014/main" id="{085DD28B-D528-4D65-81D3-C465A8220AF6}"/>
+              </a:ext>
+            </a:extLst>
+          </p:cNvPr>
+          <p:cNvPicPr>
+            <a:picLocks noChangeAspect="1"/>
+          </p:cNvPicPr>
+          <p:nvPr/>
+        </p:nvPicPr>
+        <p:blipFill>
+          <a:blip r:embed="rId4">
+            <a:extLst>
+              <a:ext uri="{28A0092B-C50C-407E-A947-70E740481C1C}">
+                <a14:useLocalDpi xmlns:a14="http://schemas.microsoft.com/office/drawing/2010/main" val="0"/>
+              </a:ext>
+            </a:extLst>
+          </a:blip>
+          <a:stretch>
+            <a:fillRect/>
+          </a:stretch>
+        </p:blipFill>
+        <p:spPr>
+          <a:xfrm>
+            <a:off x="4619322" y="2814714"/>
+            <a:ext cx="3000000" cy="1228571"/>
+          </a:xfrm>
+          <a:prstGeom prst="rect">
+            <a:avLst/>
+          </a:prstGeom>
+        </p:spPr>
+      </p:pic>
     </p:spTree>
     <p:extLst>
       <p:ext uri="{BB962C8B-B14F-4D97-AF65-F5344CB8AC3E}">
-        <p14:creationId xmlns:p14="http://schemas.microsoft.com/office/powerpoint/2010/main" val="2584247771"/>
+        <p14:creationId xmlns:p14="http://schemas.microsoft.com/office/powerpoint/2010/main" val="3124355226"/>
       </p:ext>
     </p:extLst>
   </p:cSld>
